--- a/ppt/2020/leetcode.pptx
+++ b/ppt/2020/leetcode.pptx
@@ -5,7 +5,7 @@
     <p:sldMasterId id="2147483684" r:id="rId1"/>
   </p:sldMasterIdLst>
   <p:notesMasterIdLst>
-    <p:notesMasterId r:id="rId10"/>
+    <p:notesMasterId r:id="rId11"/>
   </p:notesMasterIdLst>
   <p:sldIdLst>
     <p:sldId id="260" r:id="rId2"/>
@@ -16,6 +16,7 @@
     <p:sldId id="266" r:id="rId7"/>
     <p:sldId id="268" r:id="rId8"/>
     <p:sldId id="269" r:id="rId9"/>
+    <p:sldId id="270" r:id="rId10"/>
   </p:sldIdLst>
   <p:sldSz cx="12192000" cy="6858000"/>
   <p:notesSz cx="6858000" cy="9144000"/>
@@ -116,7 +117,18 @@
   </p:defaultTextStyle>
   <p:extLst>
     <p:ext uri="{EFAFB233-063F-42B5-8137-9DF3F51BA10A}">
-      <p15:sldGuideLst xmlns="" xmlns:p15="http://schemas.microsoft.com/office/powerpoint/2012/main"/>
+      <p15:sldGuideLst xmlns:p15="http://schemas.microsoft.com/office/powerpoint/2012/main">
+        <p15:guide id="1" orient="horz" pos="2160">
+          <p15:clr>
+            <a:srgbClr val="A4A3A4"/>
+          </p15:clr>
+        </p15:guide>
+        <p15:guide id="2" pos="3840">
+          <p15:clr>
+            <a:srgbClr val="A4A3A4"/>
+          </p15:clr>
+        </p15:guide>
+      </p15:sldGuideLst>
     </p:ext>
   </p:extLst>
 </p:presentation>
@@ -205,7 +217,7 @@
             <a:fld id="{9F3A5EB3-50EE-4F69-B93A-7859079E8380}" type="datetimeFigureOut">
               <a:rPr lang="zh-CN" altLang="en-US" smtClean="0"/>
               <a:pPr/>
-              <a:t>2020/5/8</a:t>
+              <a:t>2021/8/2</a:t>
             </a:fld>
             <a:endParaRPr lang="zh-CN" altLang="en-US"/>
           </a:p>
@@ -376,7 +388,7 @@
     </p:spTree>
     <p:extLst>
       <p:ext uri="{BB962C8B-B14F-4D97-AF65-F5344CB8AC3E}">
-        <p14:creationId xmlns:p14="http://schemas.microsoft.com/office/powerpoint/2010/main" xmlns="" val="522981787"/>
+        <p14:creationId xmlns:p14="http://schemas.microsoft.com/office/powerpoint/2010/main" val="522981787"/>
       </p:ext>
     </p:extLst>
   </p:cSld>
@@ -498,7 +510,7 @@
           <p:cNvPr id="8" name="矩形 7">
             <a:extLst>
               <a:ext uri="{FF2B5EF4-FFF2-40B4-BE49-F238E27FC236}">
-                <a16:creationId xmlns="" xmlns:a16="http://schemas.microsoft.com/office/drawing/2014/main" id="{F399C0FD-7C40-0147-8ACB-4E13D9DFBB9C}"/>
+                <a16:creationId xmlns:a16="http://schemas.microsoft.com/office/drawing/2014/main" id="{F399C0FD-7C40-0147-8ACB-4E13D9DFBB9C}"/>
               </a:ext>
             </a:extLst>
           </p:cNvPr>
@@ -544,7 +556,7 @@
           <p:cNvPr id="7" name="图片 6">
             <a:extLst>
               <a:ext uri="{FF2B5EF4-FFF2-40B4-BE49-F238E27FC236}">
-                <a16:creationId xmlns="" xmlns:a16="http://schemas.microsoft.com/office/drawing/2014/main" id="{82370E24-12B4-C64E-A72C-43E85C52D83B}"/>
+                <a16:creationId xmlns:a16="http://schemas.microsoft.com/office/drawing/2014/main" id="{82370E24-12B4-C64E-A72C-43E85C52D83B}"/>
               </a:ext>
             </a:extLst>
           </p:cNvPr>
@@ -572,7 +584,7 @@
     </p:spTree>
     <p:extLst>
       <p:ext uri="{BB962C8B-B14F-4D97-AF65-F5344CB8AC3E}">
-        <p14:creationId xmlns:p14="http://schemas.microsoft.com/office/powerpoint/2010/main" xmlns="" val="1392055626"/>
+        <p14:creationId xmlns:p14="http://schemas.microsoft.com/office/powerpoint/2010/main" val="1392055626"/>
       </p:ext>
     </p:extLst>
   </p:cSld>
@@ -711,7 +723,7 @@
             <a:fld id="{7C955CD6-C544-6447-88CB-A2D8D4C328B3}" type="datetimeFigureOut">
               <a:rPr kumimoji="1" lang="zh-CN" altLang="en-US" smtClean="0"/>
               <a:pPr/>
-              <a:t>2020/5/8</a:t>
+              <a:t>2021/8/2</a:t>
             </a:fld>
             <a:endParaRPr kumimoji="1" lang="zh-CN" altLang="en-US"/>
           </a:p>
@@ -799,7 +811,7 @@
     </p:spTree>
     <p:extLst>
       <p:ext uri="{BB962C8B-B14F-4D97-AF65-F5344CB8AC3E}">
-        <p14:creationId xmlns:p14="http://schemas.microsoft.com/office/powerpoint/2010/main" xmlns="" val="1469646871"/>
+        <p14:creationId xmlns:p14="http://schemas.microsoft.com/office/powerpoint/2010/main" val="1469646871"/>
       </p:ext>
     </p:extLst>
   </p:cSld>
@@ -1697,7 +1709,7 @@
           <a:blip r:embed="rId2">
             <a:extLst>
               <a:ext uri="{28A0092B-C50C-407E-A947-70E740481C1C}">
-                <a14:useLocalDpi xmlns:a14="http://schemas.microsoft.com/office/drawing/2010/main" xmlns="" val="0"/>
+                <a14:useLocalDpi xmlns:a14="http://schemas.microsoft.com/office/drawing/2010/main" val="0"/>
               </a:ext>
             </a:extLst>
           </a:blip>
@@ -1720,14 +1732,14 @@
           </a:ln>
           <a:extLst>
             <a:ext uri="{909E8E84-426E-40DD-AFC4-6F175D3DCCD1}">
-              <a14:hiddenFill xmlns:a14="http://schemas.microsoft.com/office/drawing/2010/main" xmlns="">
+              <a14:hiddenFill xmlns:a14="http://schemas.microsoft.com/office/drawing/2010/main">
                 <a:solidFill>
                   <a:schemeClr val="accent1"/>
                 </a:solidFill>
               </a14:hiddenFill>
             </a:ext>
             <a:ext uri="{91240B29-F687-4F45-9708-019B960494DF}">
-              <a14:hiddenLine xmlns:a14="http://schemas.microsoft.com/office/drawing/2010/main" xmlns="" w="9525">
+              <a14:hiddenLine xmlns:a14="http://schemas.microsoft.com/office/drawing/2010/main" w="9525">
                 <a:solidFill>
                   <a:schemeClr val="tx1"/>
                 </a:solidFill>
@@ -1978,7 +1990,7 @@
     </p:spTree>
     <p:extLst>
       <p:ext uri="{BB962C8B-B14F-4D97-AF65-F5344CB8AC3E}">
-        <p14:creationId xmlns:p14="http://schemas.microsoft.com/office/powerpoint/2010/main" xmlns="" val="1368930091"/>
+        <p14:creationId xmlns:p14="http://schemas.microsoft.com/office/powerpoint/2010/main" val="1368930091"/>
       </p:ext>
     </p:extLst>
   </p:cSld>
@@ -2010,7 +2022,7 @@
           <p:cNvPr id="28" name="矩形 27">
             <a:extLst>
               <a:ext uri="{FF2B5EF4-FFF2-40B4-BE49-F238E27FC236}">
-                <a16:creationId xmlns="" xmlns:a16="http://schemas.microsoft.com/office/drawing/2014/main" id="{45059F00-28CC-4349-974C-B53D3988E15E}"/>
+                <a16:creationId xmlns:a16="http://schemas.microsoft.com/office/drawing/2014/main" id="{45059F00-28CC-4349-974C-B53D3988E15E}"/>
               </a:ext>
             </a:extLst>
           </p:cNvPr>
@@ -2136,7 +2148,7 @@
           <p:cNvPr id="29" name="文本框 28">
             <a:extLst>
               <a:ext uri="{FF2B5EF4-FFF2-40B4-BE49-F238E27FC236}">
-                <a16:creationId xmlns="" xmlns:a16="http://schemas.microsoft.com/office/drawing/2014/main" id="{BFD41FFF-6E2A-B240-965E-C4B5BC26BD49}"/>
+                <a16:creationId xmlns:a16="http://schemas.microsoft.com/office/drawing/2014/main" id="{BFD41FFF-6E2A-B240-965E-C4B5BC26BD49}"/>
               </a:ext>
             </a:extLst>
           </p:cNvPr>
@@ -2231,7 +2243,7 @@
           <a:blip r:embed="rId2">
             <a:extLst>
               <a:ext uri="{28A0092B-C50C-407E-A947-70E740481C1C}">
-                <a14:useLocalDpi xmlns:a14="http://schemas.microsoft.com/office/drawing/2010/main" xmlns="" val="0"/>
+                <a14:useLocalDpi xmlns:a14="http://schemas.microsoft.com/office/drawing/2010/main" val="0"/>
               </a:ext>
             </a:extLst>
           </a:blip>
@@ -2254,14 +2266,14 @@
           </a:ln>
           <a:extLst>
             <a:ext uri="{909E8E84-426E-40DD-AFC4-6F175D3DCCD1}">
-              <a14:hiddenFill xmlns:a14="http://schemas.microsoft.com/office/drawing/2010/main" xmlns="">
+              <a14:hiddenFill xmlns:a14="http://schemas.microsoft.com/office/drawing/2010/main">
                 <a:solidFill>
                   <a:schemeClr val="accent1"/>
                 </a:solidFill>
               </a14:hiddenFill>
             </a:ext>
             <a:ext uri="{91240B29-F687-4F45-9708-019B960494DF}">
-              <a14:hiddenLine xmlns:a14="http://schemas.microsoft.com/office/drawing/2010/main" xmlns="" w="9525">
+              <a14:hiddenLine xmlns:a14="http://schemas.microsoft.com/office/drawing/2010/main" w="9525">
                 <a:solidFill>
                   <a:schemeClr val="tx1"/>
                 </a:solidFill>
@@ -2285,7 +2297,7 @@
           <a:blip r:embed="rId3">
             <a:extLst>
               <a:ext uri="{28A0092B-C50C-407E-A947-70E740481C1C}">
-                <a14:useLocalDpi xmlns:a14="http://schemas.microsoft.com/office/drawing/2010/main" xmlns="" val="0"/>
+                <a14:useLocalDpi xmlns:a14="http://schemas.microsoft.com/office/drawing/2010/main" val="0"/>
               </a:ext>
             </a:extLst>
           </a:blip>
@@ -2308,14 +2320,14 @@
           </a:ln>
           <a:extLst>
             <a:ext uri="{909E8E84-426E-40DD-AFC4-6F175D3DCCD1}">
-              <a14:hiddenFill xmlns:a14="http://schemas.microsoft.com/office/drawing/2010/main" xmlns="">
+              <a14:hiddenFill xmlns:a14="http://schemas.microsoft.com/office/drawing/2010/main">
                 <a:solidFill>
                   <a:schemeClr val="accent1"/>
                 </a:solidFill>
               </a14:hiddenFill>
             </a:ext>
             <a:ext uri="{91240B29-F687-4F45-9708-019B960494DF}">
-              <a14:hiddenLine xmlns:a14="http://schemas.microsoft.com/office/drawing/2010/main" xmlns="" w="9525">
+              <a14:hiddenLine xmlns:a14="http://schemas.microsoft.com/office/drawing/2010/main" w="9525">
                 <a:solidFill>
                   <a:schemeClr val="tx1"/>
                 </a:solidFill>
@@ -2330,7 +2342,7 @@
     </p:spTree>
     <p:extLst>
       <p:ext uri="{BB962C8B-B14F-4D97-AF65-F5344CB8AC3E}">
-        <p14:creationId xmlns:p14="http://schemas.microsoft.com/office/powerpoint/2010/main" xmlns="" val="2728124400"/>
+        <p14:creationId xmlns:p14="http://schemas.microsoft.com/office/powerpoint/2010/main" val="2728124400"/>
       </p:ext>
     </p:extLst>
   </p:cSld>
@@ -2369,7 +2381,7 @@
           <a:blip r:embed="rId2">
             <a:extLst>
               <a:ext uri="{28A0092B-C50C-407E-A947-70E740481C1C}">
-                <a14:useLocalDpi xmlns:a14="http://schemas.microsoft.com/office/drawing/2010/main" xmlns="" val="0"/>
+                <a14:useLocalDpi xmlns:a14="http://schemas.microsoft.com/office/drawing/2010/main" val="0"/>
               </a:ext>
             </a:extLst>
           </a:blip>
@@ -2392,14 +2404,14 @@
           </a:ln>
           <a:extLst>
             <a:ext uri="{909E8E84-426E-40DD-AFC4-6F175D3DCCD1}">
-              <a14:hiddenFill xmlns:a14="http://schemas.microsoft.com/office/drawing/2010/main" xmlns="">
+              <a14:hiddenFill xmlns:a14="http://schemas.microsoft.com/office/drawing/2010/main">
                 <a:solidFill>
                   <a:schemeClr val="accent1"/>
                 </a:solidFill>
               </a14:hiddenFill>
             </a:ext>
             <a:ext uri="{91240B29-F687-4F45-9708-019B960494DF}">
-              <a14:hiddenLine xmlns:a14="http://schemas.microsoft.com/office/drawing/2010/main" xmlns="" w="9525">
+              <a14:hiddenLine xmlns:a14="http://schemas.microsoft.com/office/drawing/2010/main" w="9525">
                 <a:solidFill>
                   <a:schemeClr val="tx1"/>
                 </a:solidFill>
@@ -2652,7 +2664,7 @@
     </p:spTree>
     <p:extLst>
       <p:ext uri="{BB962C8B-B14F-4D97-AF65-F5344CB8AC3E}">
-        <p14:creationId xmlns:p14="http://schemas.microsoft.com/office/powerpoint/2010/main" xmlns="" val="3445009766"/>
+        <p14:creationId xmlns:p14="http://schemas.microsoft.com/office/powerpoint/2010/main" val="3445009766"/>
       </p:ext>
     </p:extLst>
   </p:cSld>
@@ -2691,7 +2703,7 @@
           <a:blip r:embed="rId2">
             <a:extLst>
               <a:ext uri="{28A0092B-C50C-407E-A947-70E740481C1C}">
-                <a14:useLocalDpi xmlns:a14="http://schemas.microsoft.com/office/drawing/2010/main" xmlns="" val="0"/>
+                <a14:useLocalDpi xmlns:a14="http://schemas.microsoft.com/office/drawing/2010/main" val="0"/>
               </a:ext>
             </a:extLst>
           </a:blip>
@@ -2714,14 +2726,14 @@
           </a:ln>
           <a:extLst>
             <a:ext uri="{909E8E84-426E-40DD-AFC4-6F175D3DCCD1}">
-              <a14:hiddenFill xmlns:a14="http://schemas.microsoft.com/office/drawing/2010/main" xmlns="">
+              <a14:hiddenFill xmlns:a14="http://schemas.microsoft.com/office/drawing/2010/main">
                 <a:solidFill>
                   <a:schemeClr val="accent1"/>
                 </a:solidFill>
               </a14:hiddenFill>
             </a:ext>
             <a:ext uri="{91240B29-F687-4F45-9708-019B960494DF}">
-              <a14:hiddenLine xmlns:a14="http://schemas.microsoft.com/office/drawing/2010/main" xmlns="" w="9525">
+              <a14:hiddenLine xmlns:a14="http://schemas.microsoft.com/office/drawing/2010/main" w="9525">
                 <a:solidFill>
                   <a:schemeClr val="tx1"/>
                 </a:solidFill>
@@ -2959,7 +2971,7 @@
     </p:spTree>
     <p:extLst>
       <p:ext uri="{BB962C8B-B14F-4D97-AF65-F5344CB8AC3E}">
-        <p14:creationId xmlns:p14="http://schemas.microsoft.com/office/powerpoint/2010/main" xmlns="" val="3445009766"/>
+        <p14:creationId xmlns:p14="http://schemas.microsoft.com/office/powerpoint/2010/main" val="3445009766"/>
       </p:ext>
     </p:extLst>
   </p:cSld>
@@ -2991,7 +3003,7 @@
           <p:cNvPr id="28" name="矩形 27">
             <a:extLst>
               <a:ext uri="{FF2B5EF4-FFF2-40B4-BE49-F238E27FC236}">
-                <a16:creationId xmlns="" xmlns:a16="http://schemas.microsoft.com/office/drawing/2014/main" id="{45059F00-28CC-4349-974C-B53D3988E15E}"/>
+                <a16:creationId xmlns:a16="http://schemas.microsoft.com/office/drawing/2014/main" id="{45059F00-28CC-4349-974C-B53D3988E15E}"/>
               </a:ext>
             </a:extLst>
           </p:cNvPr>
@@ -3087,7 +3099,7 @@
           <p:cNvPr id="29" name="文本框 28">
             <a:extLst>
               <a:ext uri="{FF2B5EF4-FFF2-40B4-BE49-F238E27FC236}">
-                <a16:creationId xmlns="" xmlns:a16="http://schemas.microsoft.com/office/drawing/2014/main" id="{BFD41FFF-6E2A-B240-965E-C4B5BC26BD49}"/>
+                <a16:creationId xmlns:a16="http://schemas.microsoft.com/office/drawing/2014/main" id="{BFD41FFF-6E2A-B240-965E-C4B5BC26BD49}"/>
               </a:ext>
             </a:extLst>
           </p:cNvPr>
@@ -3278,7 +3290,7 @@
     </p:spTree>
     <p:extLst>
       <p:ext uri="{BB962C8B-B14F-4D97-AF65-F5344CB8AC3E}">
-        <p14:creationId xmlns:p14="http://schemas.microsoft.com/office/powerpoint/2010/main" xmlns="" val="2728124400"/>
+        <p14:creationId xmlns:p14="http://schemas.microsoft.com/office/powerpoint/2010/main" val="2728124400"/>
       </p:ext>
     </p:extLst>
   </p:cSld>
@@ -3317,7 +3329,7 @@
           <a:blip r:embed="rId2">
             <a:extLst>
               <a:ext uri="{28A0092B-C50C-407E-A947-70E740481C1C}">
-                <a14:useLocalDpi xmlns:a14="http://schemas.microsoft.com/office/drawing/2010/main" xmlns="" val="0"/>
+                <a14:useLocalDpi xmlns:a14="http://schemas.microsoft.com/office/drawing/2010/main" val="0"/>
               </a:ext>
             </a:extLst>
           </a:blip>
@@ -3340,14 +3352,14 @@
           </a:ln>
           <a:extLst>
             <a:ext uri="{909E8E84-426E-40DD-AFC4-6F175D3DCCD1}">
-              <a14:hiddenFill xmlns:a14="http://schemas.microsoft.com/office/drawing/2010/main" xmlns="">
+              <a14:hiddenFill xmlns:a14="http://schemas.microsoft.com/office/drawing/2010/main">
                 <a:solidFill>
                   <a:schemeClr val="accent1"/>
                 </a:solidFill>
               </a14:hiddenFill>
             </a:ext>
             <a:ext uri="{91240B29-F687-4F45-9708-019B960494DF}">
-              <a14:hiddenLine xmlns:a14="http://schemas.microsoft.com/office/drawing/2010/main" xmlns="" w="9525">
+              <a14:hiddenLine xmlns:a14="http://schemas.microsoft.com/office/drawing/2010/main" w="9525">
                 <a:solidFill>
                   <a:schemeClr val="tx1"/>
                 </a:solidFill>
@@ -3602,7 +3614,310 @@
     </p:spTree>
     <p:extLst>
       <p:ext uri="{BB962C8B-B14F-4D97-AF65-F5344CB8AC3E}">
-        <p14:creationId xmlns:p14="http://schemas.microsoft.com/office/powerpoint/2010/main" xmlns="" val="3445009766"/>
+        <p14:creationId xmlns:p14="http://schemas.microsoft.com/office/powerpoint/2010/main" val="3445009766"/>
+      </p:ext>
+    </p:extLst>
+  </p:cSld>
+  <p:clrMapOvr>
+    <a:masterClrMapping/>
+  </p:clrMapOvr>
+</p:sld>
+</file>
+
+<file path=ppt/slides/slide9.xml><?xml version="1.0" encoding="utf-8"?>
+<p:sld xmlns:a="http://schemas.openxmlformats.org/drawingml/2006/main" xmlns:r="http://schemas.openxmlformats.org/officeDocument/2006/relationships" xmlns:p="http://schemas.openxmlformats.org/presentationml/2006/main">
+  <p:cSld>
+    <p:spTree>
+      <p:nvGrpSpPr>
+        <p:cNvPr id="1" name=""/>
+        <p:cNvGrpSpPr/>
+        <p:nvPr/>
+      </p:nvGrpSpPr>
+      <p:grpSpPr>
+        <a:xfrm>
+          <a:off x="0" y="0"/>
+          <a:ext cx="0" cy="0"/>
+          <a:chOff x="0" y="0"/>
+          <a:chExt cx="0" cy="0"/>
+        </a:xfrm>
+      </p:grpSpPr>
+      <p:pic>
+        <p:nvPicPr>
+          <p:cNvPr id="1026" name="Picture 2"/>
+          <p:cNvPicPr>
+            <a:picLocks noChangeAspect="1" noChangeArrowheads="1"/>
+          </p:cNvPicPr>
+          <p:nvPr/>
+        </p:nvPicPr>
+        <p:blipFill>
+          <a:blip r:embed="rId2">
+            <a:extLst>
+              <a:ext uri="{28A0092B-C50C-407E-A947-70E740481C1C}">
+                <a14:useLocalDpi xmlns:a14="http://schemas.microsoft.com/office/drawing/2010/main" val="0"/>
+              </a:ext>
+            </a:extLst>
+          </a:blip>
+          <a:srcRect/>
+          <a:stretch>
+            <a:fillRect/>
+          </a:stretch>
+        </p:blipFill>
+        <p:spPr bwMode="auto">
+          <a:xfrm>
+            <a:off x="1209675" y="1390650"/>
+            <a:ext cx="2838450" cy="2781300"/>
+          </a:xfrm>
+          <a:prstGeom prst="rect">
+            <a:avLst/>
+          </a:prstGeom>
+          <a:noFill/>
+          <a:ln>
+            <a:noFill/>
+          </a:ln>
+          <a:extLst>
+            <a:ext uri="{909E8E84-426E-40DD-AFC4-6F175D3DCCD1}">
+              <a14:hiddenFill xmlns:a14="http://schemas.microsoft.com/office/drawing/2010/main">
+                <a:solidFill>
+                  <a:schemeClr val="accent1"/>
+                </a:solidFill>
+              </a14:hiddenFill>
+            </a:ext>
+            <a:ext uri="{91240B29-F687-4F45-9708-019B960494DF}">
+              <a14:hiddenLine xmlns:a14="http://schemas.microsoft.com/office/drawing/2010/main" w="9525">
+                <a:solidFill>
+                  <a:schemeClr val="tx1"/>
+                </a:solidFill>
+                <a:miter lim="800000"/>
+                <a:headEnd/>
+                <a:tailEnd/>
+              </a14:hiddenLine>
+            </a:ext>
+          </a:extLst>
+        </p:spPr>
+      </p:pic>
+      <p:sp>
+        <p:nvSpPr>
+          <p:cNvPr id="2" name="圆角矩形 1"/>
+          <p:cNvSpPr/>
+          <p:nvPr/>
+        </p:nvSpPr>
+        <p:spPr>
+          <a:xfrm>
+            <a:off x="952500" y="4711700"/>
+            <a:ext cx="1435100" cy="685800"/>
+          </a:xfrm>
+          <a:prstGeom prst="roundRect">
+            <a:avLst/>
+          </a:prstGeom>
+        </p:spPr>
+        <p:style>
+          <a:lnRef idx="2">
+            <a:schemeClr val="accent6">
+              <a:shade val="50000"/>
+            </a:schemeClr>
+          </a:lnRef>
+          <a:fillRef idx="1">
+            <a:schemeClr val="accent6"/>
+          </a:fillRef>
+          <a:effectRef idx="0">
+            <a:schemeClr val="accent6"/>
+          </a:effectRef>
+          <a:fontRef idx="minor">
+            <a:schemeClr val="lt1"/>
+          </a:fontRef>
+        </p:style>
+        <p:txBody>
+          <a:bodyPr rtlCol="0" anchor="ctr"/>
+          <a:lstStyle/>
+          <a:p>
+            <a:r>
+              <a:rPr lang="en-US" altLang="zh-CN" dirty="0" smtClean="0"/>
+              <a:t>   </a:t>
+            </a:r>
+            <a:r>
+              <a:rPr lang="en-US" altLang="zh-CN" dirty="0" smtClean="0">
+                <a:solidFill>
+                  <a:srgbClr val="FF0000"/>
+                </a:solidFill>
+              </a:rPr>
+              <a:t>Medium</a:t>
+            </a:r>
+            <a:endParaRPr lang="en-US" altLang="zh-CN" dirty="0">
+              <a:solidFill>
+                <a:srgbClr val="FF0000"/>
+              </a:solidFill>
+            </a:endParaRPr>
+          </a:p>
+        </p:txBody>
+      </p:sp>
+      <p:sp>
+        <p:nvSpPr>
+          <p:cNvPr id="4" name="圆角矩形 3"/>
+          <p:cNvSpPr/>
+          <p:nvPr/>
+        </p:nvSpPr>
+        <p:spPr>
+          <a:xfrm>
+            <a:off x="3111500" y="4711700"/>
+            <a:ext cx="1676400" cy="685800"/>
+          </a:xfrm>
+          <a:prstGeom prst="roundRect">
+            <a:avLst/>
+          </a:prstGeom>
+        </p:spPr>
+        <p:style>
+          <a:lnRef idx="2">
+            <a:schemeClr val="dk1">
+              <a:shade val="50000"/>
+            </a:schemeClr>
+          </a:lnRef>
+          <a:fillRef idx="1">
+            <a:schemeClr val="dk1"/>
+          </a:fillRef>
+          <a:effectRef idx="0">
+            <a:schemeClr val="dk1"/>
+          </a:effectRef>
+          <a:fontRef idx="minor">
+            <a:schemeClr val="lt1"/>
+          </a:fontRef>
+        </p:style>
+        <p:txBody>
+          <a:bodyPr rtlCol="0" anchor="ctr"/>
+          <a:lstStyle/>
+          <a:p>
+            <a:pPr algn="ctr"/>
+            <a:r>
+              <a:rPr lang="zh-CN" altLang="en-US" dirty="0" smtClean="0"/>
+              <a:t>数组</a:t>
+            </a:r>
+            <a:endParaRPr lang="zh-CN" altLang="en-US" dirty="0"/>
+          </a:p>
+        </p:txBody>
+      </p:sp>
+      <p:sp>
+        <p:nvSpPr>
+          <p:cNvPr id="6" name="圆角矩形 5"/>
+          <p:cNvSpPr/>
+          <p:nvPr/>
+        </p:nvSpPr>
+        <p:spPr>
+          <a:xfrm>
+            <a:off x="5486400" y="4711700"/>
+            <a:ext cx="2476500" cy="685800"/>
+          </a:xfrm>
+          <a:prstGeom prst="roundRect">
+            <a:avLst/>
+          </a:prstGeom>
+        </p:spPr>
+        <p:style>
+          <a:lnRef idx="2">
+            <a:schemeClr val="dk1">
+              <a:shade val="50000"/>
+            </a:schemeClr>
+          </a:lnRef>
+          <a:fillRef idx="1">
+            <a:schemeClr val="dk1"/>
+          </a:fillRef>
+          <a:effectRef idx="0">
+            <a:schemeClr val="dk1"/>
+          </a:effectRef>
+          <a:fontRef idx="minor">
+            <a:schemeClr val="lt1"/>
+          </a:fontRef>
+        </p:style>
+        <p:txBody>
+          <a:bodyPr rtlCol="0" anchor="ctr"/>
+          <a:lstStyle/>
+          <a:p>
+            <a:pPr algn="ctr"/>
+            <a:r>
+              <a:rPr lang="zh-CN" altLang="en-US" dirty="0" smtClean="0"/>
+              <a:t>最坏情况</a:t>
+            </a:r>
+            <a:endParaRPr lang="zh-CN" altLang="en-US" dirty="0"/>
+          </a:p>
+        </p:txBody>
+      </p:sp>
+      <p:sp>
+        <p:nvSpPr>
+          <p:cNvPr id="7" name="圆角矩形 6"/>
+          <p:cNvSpPr/>
+          <p:nvPr/>
+        </p:nvSpPr>
+        <p:spPr>
+          <a:xfrm>
+            <a:off x="8306525" y="4756524"/>
+            <a:ext cx="1676400" cy="685800"/>
+          </a:xfrm>
+          <a:prstGeom prst="roundRect">
+            <a:avLst/>
+          </a:prstGeom>
+        </p:spPr>
+        <p:style>
+          <a:lnRef idx="2">
+            <a:schemeClr val="dk1">
+              <a:shade val="50000"/>
+            </a:schemeClr>
+          </a:lnRef>
+          <a:fillRef idx="1">
+            <a:schemeClr val="dk1"/>
+          </a:fillRef>
+          <a:effectRef idx="0">
+            <a:schemeClr val="dk1"/>
+          </a:effectRef>
+          <a:fontRef idx="minor">
+            <a:schemeClr val="lt1"/>
+          </a:fontRef>
+        </p:style>
+        <p:txBody>
+          <a:bodyPr rtlCol="0" anchor="ctr"/>
+          <a:lstStyle/>
+          <a:p>
+            <a:r>
+              <a:rPr lang="en-US" b="1" dirty="0" smtClean="0"/>
+              <a:t>  </a:t>
+            </a:r>
+            <a:r>
+              <a:rPr lang="zh-CN" altLang="en-US" b="1" smtClean="0"/>
+              <a:t>折半查找</a:t>
+            </a:r>
+            <a:endParaRPr lang="en-US" b="1" dirty="0"/>
+          </a:p>
+        </p:txBody>
+      </p:sp>
+      <p:sp>
+        <p:nvSpPr>
+          <p:cNvPr id="8" name="矩形 7"/>
+          <p:cNvSpPr/>
+          <p:nvPr/>
+        </p:nvSpPr>
+        <p:spPr>
+          <a:xfrm>
+            <a:off x="4435930" y="2416029"/>
+            <a:ext cx="4842294" cy="369332"/>
+          </a:xfrm>
+          <a:prstGeom prst="rect">
+            <a:avLst/>
+          </a:prstGeom>
+        </p:spPr>
+        <p:txBody>
+          <a:bodyPr wrap="square">
+            <a:spAutoFit/>
+          </a:bodyPr>
+          <a:lstStyle/>
+          <a:p>
+            <a:r>
+              <a:rPr lang="zh-CN" altLang="en-US" b="1" dirty="0"/>
+              <a:t>找到二叉树中的最大搜索二叉子树</a:t>
+            </a:r>
+            <a:endParaRPr lang="zh-CN" altLang="en-US" sz="2400" b="1" dirty="0"/>
+          </a:p>
+        </p:txBody>
+      </p:sp>
+    </p:spTree>
+    <p:extLst>
+      <p:ext uri="{BB962C8B-B14F-4D97-AF65-F5344CB8AC3E}">
+        <p14:creationId xmlns:p14="http://schemas.microsoft.com/office/powerpoint/2010/main" val="3605887192"/>
       </p:ext>
     </p:extLst>
   </p:cSld>
@@ -3867,7 +4182,7 @@
   <a:extraClrSchemeLst/>
   <a:extLst>
     <a:ext uri="{05A4C25C-085E-4340-85A3-A5531E510DB2}">
-      <thm15:themeFamily xmlns="" xmlns:thm15="http://schemas.microsoft.com/office/thememl/2012/main" name="Office Theme" id="{62F939B6-93AF-4DB8-9C6B-D6C7DFDC589F}" vid="{AE6F2518-B084-4896-AF52-66CC2144AA26}"/>
+      <thm15:themeFamily xmlns:thm15="http://schemas.microsoft.com/office/thememl/2012/main" name="Office Theme" id="{62F939B6-93AF-4DB8-9C6B-D6C7DFDC589F}" vid="{AE6F2518-B084-4896-AF52-66CC2144AA26}"/>
     </a:ext>
   </a:extLst>
 </a:theme>
